--- a/docs/ppt/GEOG0113-009.pptx
+++ b/docs/ppt/GEOG0113-009.pptx
@@ -8887,7 +8887,7 @@
           <p:nvPr/>
         </p:nvPicPr>
         <p:blipFill>
-          <a:blip r:embed="rId5"/>
+          <a:blip r:embed="rId3"/>
           <a:stretch>
             <a:fillRect/>
           </a:stretch>
@@ -8941,44 +8941,6 @@
           </a:p>
         </p:txBody>
       </p:sp>
-      <p:pic>
-        <p:nvPicPr>
-          <p:cNvPr id="2" name="Audio Recording 12 Jan 2021 at 15:46:09" descr="Audio Recording 12 Jan 2021 at 15:46:09">
-            <a:hlinkClick r:id="" action="ppaction://media"/>
-            <a:extLst>
-              <a:ext uri="{FF2B5EF4-FFF2-40B4-BE49-F238E27FC236}">
-                <a16:creationId xmlns:a16="http://schemas.microsoft.com/office/drawing/2014/main" id="{E0491F77-0E9D-CD4A-879C-2BFA957D2471}"/>
-              </a:ext>
-            </a:extLst>
-          </p:cNvPr>
-          <p:cNvPicPr>
-            <a:picLocks noChangeAspect="1"/>
-          </p:cNvPicPr>
-          <p:nvPr>
-            <a:audioFile r:link="rId2"/>
-            <p:extLst>
-              <p:ext uri="{DAA4B4D4-6D71-4841-9C94-3DE7FCFB9230}">
-                <p14:media xmlns:p14="http://schemas.microsoft.com/office/powerpoint/2010/main" r:embed="rId1"/>
-              </p:ext>
-            </p:extLst>
-          </p:nvPr>
-        </p:nvPicPr>
-        <p:blipFill>
-          <a:blip r:embed="rId6"/>
-          <a:stretch>
-            <a:fillRect/>
-          </a:stretch>
-        </p:blipFill>
-        <p:spPr>
-          <a:xfrm>
-            <a:off x="4633913" y="3373438"/>
-            <a:ext cx="812800" cy="812800"/>
-          </a:xfrm>
-          <a:prstGeom prst="rect">
-            <a:avLst/>
-          </a:prstGeom>
-        </p:spPr>
-      </p:pic>
     </p:spTree>
   </p:cSld>
   <p:clrMapOvr>
@@ -8987,90 +8949,6 @@
   <p:transition spd="slow">
     <p:cut/>
   </p:transition>
-  <p:timing>
-    <p:tnLst>
-      <p:par>
-        <p:cTn id="1" dur="indefinite" restart="never" nodeType="tmRoot">
-          <p:childTnLst>
-            <p:seq concurrent="1" nextAc="seek">
-              <p:cTn id="2" dur="indefinite" nodeType="mainSeq">
-                <p:childTnLst>
-                  <p:par>
-                    <p:cTn id="3" fill="hold">
-                      <p:stCondLst>
-                        <p:cond delay="indefinite"/>
-                      </p:stCondLst>
-                      <p:childTnLst>
-                        <p:par>
-                          <p:cTn id="4" fill="hold">
-                            <p:stCondLst>
-                              <p:cond delay="0"/>
-                            </p:stCondLst>
-                            <p:childTnLst>
-                              <p:par>
-                                <p:cTn id="5" presetID="1" presetClass="mediacall" presetSubtype="0" fill="hold" nodeType="clickEffect">
-                                  <p:stCondLst>
-                                    <p:cond delay="0"/>
-                                  </p:stCondLst>
-                                  <p:childTnLst>
-                                    <p:cmd type="call" cmd="playFrom(0.0)">
-                                      <p:cBhvr>
-                                        <p:cTn id="6" dur="22912" fill="hold"/>
-                                        <p:tgtEl>
-                                          <p:spTgt spid="2"/>
-                                        </p:tgtEl>
-                                      </p:cBhvr>
-                                    </p:cmd>
-                                  </p:childTnLst>
-                                </p:cTn>
-                              </p:par>
-                            </p:childTnLst>
-                          </p:cTn>
-                        </p:par>
-                      </p:childTnLst>
-                    </p:cTn>
-                  </p:par>
-                </p:childTnLst>
-              </p:cTn>
-              <p:prevCondLst>
-                <p:cond evt="onPrev" delay="0">
-                  <p:tgtEl>
-                    <p:sldTgt/>
-                  </p:tgtEl>
-                </p:cond>
-              </p:prevCondLst>
-              <p:nextCondLst>
-                <p:cond evt="onNext" delay="0">
-                  <p:tgtEl>
-                    <p:sldTgt/>
-                  </p:tgtEl>
-                </p:cond>
-              </p:nextCondLst>
-            </p:seq>
-            <p:audio>
-              <p:cMediaNode vol="80000">
-                <p:cTn id="7" fill="hold" display="0">
-                  <p:stCondLst>
-                    <p:cond delay="indefinite"/>
-                  </p:stCondLst>
-                  <p:endCondLst>
-                    <p:cond evt="onStopAudio" delay="0">
-                      <p:tgtEl>
-                        <p:sldTgt/>
-                      </p:tgtEl>
-                    </p:cond>
-                  </p:endCondLst>
-                </p:cTn>
-                <p:tgtEl>
-                  <p:spTgt spid="2"/>
-                </p:tgtEl>
-              </p:cMediaNode>
-            </p:audio>
-          </p:childTnLst>
-        </p:cTn>
-      </p:par>
-    </p:tnLst>
-  </p:timing>
 </p:sld>
 </file>
 
@@ -13071,45 +12949,6 @@
       </p:pic>
       <p:sp>
         <p:nvSpPr>
-          <p:cNvPr id="457" name="Shape 457"/>
-          <p:cNvSpPr txBox="1">
-            <a:spLocks noGrp="1"/>
-          </p:cNvSpPr>
-          <p:nvPr>
-            <p:ph type="body" idx="1"/>
-          </p:nvPr>
-        </p:nvSpPr>
-        <p:spPr>
-          <a:xfrm>
-            <a:off x="2885280" y="1768475"/>
-            <a:ext cx="9067799" cy="4987924"/>
-          </a:xfrm>
-          <a:prstGeom prst="rect">
-            <a:avLst/>
-          </a:prstGeom>
-          <a:noFill/>
-          <a:ln w="9525" cap="flat">
-            <a:solidFill>
-              <a:srgbClr val="000000"/>
-            </a:solidFill>
-            <a:prstDash val="solid"/>
-            <a:round/>
-            <a:headEnd type="none" w="med" len="med"/>
-            <a:tailEnd type="none" w="med" len="med"/>
-          </a:ln>
-        </p:spPr>
-        <p:txBody>
-          <a:bodyPr lIns="91425" tIns="91425" rIns="91425" bIns="91425" anchor="t" anchorCtr="0">
-            <a:noAutofit/>
-          </a:bodyPr>
-          <a:lstStyle/>
-          <a:p>
-            <a:endParaRPr dirty="0"/>
-          </a:p>
-        </p:txBody>
-      </p:sp>
-      <p:sp>
-        <p:nvSpPr>
           <p:cNvPr id="458" name="Shape 458"/>
           <p:cNvSpPr/>
           <p:nvPr/>
@@ -13133,7 +12972,7 @@
           </a:bodyPr>
           <a:lstStyle/>
           <a:p>
-            <a:pPr marL="342900" marR="0" lvl="0" indent="-342900" algn="just" rtl="0">
+            <a:pPr marL="342900" marR="0" lvl="0" indent="-342900" rtl="0">
               <a:lnSpc>
                 <a:spcPct val="93000"/>
               </a:lnSpc>
@@ -13151,7 +12990,7 @@
               <a:buChar char="•"/>
             </a:pPr>
             <a:r>
-              <a:rPr lang="en-US" sz="2000" b="0" i="0" u="none" strike="noStrike" cap="none" baseline="0">
+              <a:rPr lang="en-US" sz="2000" b="0" i="0" u="none" strike="noStrike" cap="none" baseline="0" dirty="0">
                 <a:solidFill>
                   <a:srgbClr val="000000"/>
                 </a:solidFill>
@@ -13164,7 +13003,7 @@
             </a:r>
           </a:p>
           <a:p>
-            <a:pPr marL="1085850" marR="0" lvl="1" indent="-349250" algn="just" rtl="0">
+            <a:pPr marL="1085850" marR="0" lvl="1" indent="-349250" rtl="0">
               <a:lnSpc>
                 <a:spcPct val="93000"/>
               </a:lnSpc>
@@ -13182,7 +13021,7 @@
               <a:buChar char="•"/>
             </a:pPr>
             <a:r>
-              <a:rPr lang="en-US" sz="2000" b="0" i="0" u="none" strike="noStrike" cap="none" baseline="0">
+              <a:rPr lang="en-US" sz="2000" b="0" i="0" u="none" strike="noStrike" cap="none" baseline="0" dirty="0">
                 <a:solidFill>
                   <a:srgbClr val="000000"/>
                 </a:solidFill>
@@ -13195,7 +13034,7 @@
             </a:r>
           </a:p>
           <a:p>
-            <a:pPr marL="1085850" marR="0" lvl="1" indent="-349250" algn="just" rtl="0">
+            <a:pPr marL="1085850" marR="0" lvl="1" indent="-349250" rtl="0">
               <a:lnSpc>
                 <a:spcPct val="93000"/>
               </a:lnSpc>
@@ -13213,7 +13052,7 @@
               <a:buChar char="•"/>
             </a:pPr>
             <a:r>
-              <a:rPr lang="en-US" sz="2000" b="0" i="0" u="none" strike="noStrike" cap="none" baseline="0">
+              <a:rPr lang="en-US" sz="2000" b="0" i="0" u="none" strike="noStrike" cap="none" baseline="0" dirty="0">
                 <a:solidFill>
                   <a:srgbClr val="000000"/>
                 </a:solidFill>
@@ -13346,7 +13185,7 @@
         </p:nvSpPr>
         <p:spPr>
           <a:xfrm>
-            <a:off x="7704607" y="2987749"/>
+            <a:off x="7704608" y="1414874"/>
             <a:ext cx="1992402" cy="440120"/>
           </a:xfrm>
           <a:prstGeom prst="rect">
@@ -13377,7 +13216,7 @@
               <a:buNone/>
             </a:pPr>
             <a:r>
-              <a:rPr lang="en-US" sz="2400" b="0" i="0" u="none" strike="noStrike" cap="none" baseline="0">
+              <a:rPr lang="en-US" sz="2400" b="0" i="0" u="none" strike="noStrike" cap="none" baseline="0" dirty="0">
                 <a:solidFill>
                   <a:srgbClr val="000000"/>
                 </a:solidFill>
@@ -13386,35 +13225,13 @@
                 <a:cs typeface="Arial"/>
                 <a:sym typeface="Arial"/>
               </a:rPr>
-              <a:t>Spring Temp.</a:t>
-            </a:r>
-          </a:p>
-        </p:txBody>
-      </p:sp>
-      <p:sp>
-        <p:nvSpPr>
-          <p:cNvPr id="467" name="Shape 467"/>
-          <p:cNvSpPr txBox="1"/>
-          <p:nvPr/>
-        </p:nvSpPr>
-        <p:spPr>
-          <a:xfrm>
-            <a:off x="7652661" y="6228108"/>
-            <a:ext cx="2096297" cy="440120"/>
-          </a:xfrm>
-          <a:prstGeom prst="rect">
-            <a:avLst/>
-          </a:prstGeom>
-          <a:noFill/>
-          <a:ln>
-            <a:noFill/>
-          </a:ln>
-        </p:spPr>
-        <p:txBody>
-          <a:bodyPr lIns="91425" tIns="45700" rIns="91425" bIns="45700" anchor="t" anchorCtr="0">
-            <a:noAutofit/>
-          </a:bodyPr>
-          <a:lstStyle/>
+              <a:t>(April</a:t>
+            </a:r>
+            <a:r>
+              <a:rPr lang="en-US" sz="2400" dirty="0"/>
+              <a:t>)</a:t>
+            </a:r>
+          </a:p>
           <a:p>
             <a:pPr marL="0" marR="0" lvl="0" indent="0" algn="ctr" rtl="0">
               <a:lnSpc>
@@ -13430,7 +13247,7 @@
               <a:buNone/>
             </a:pPr>
             <a:r>
-              <a:rPr lang="en-US" sz="2400" b="0" i="0" u="none" strike="noStrike" cap="none" baseline="0">
+              <a:rPr lang="en-US" sz="2400" b="0" i="0" u="none" strike="noStrike" cap="none" baseline="0" dirty="0">
                 <a:solidFill>
                   <a:srgbClr val="000000"/>
                 </a:solidFill>
@@ -13439,7 +13256,114 @@
                 <a:cs typeface="Arial"/>
                 <a:sym typeface="Arial"/>
               </a:rPr>
-              <a:t>AutumnTemp.</a:t>
+              <a:t>NH Spring Temp.</a:t>
+            </a:r>
+          </a:p>
+        </p:txBody>
+      </p:sp>
+      <p:sp>
+        <p:nvSpPr>
+          <p:cNvPr id="467" name="Shape 467"/>
+          <p:cNvSpPr txBox="1"/>
+          <p:nvPr/>
+        </p:nvSpPr>
+        <p:spPr>
+          <a:xfrm>
+            <a:off x="7984328" y="5181571"/>
+            <a:ext cx="2096297" cy="440120"/>
+          </a:xfrm>
+          <a:prstGeom prst="rect">
+            <a:avLst/>
+          </a:prstGeom>
+          <a:noFill/>
+          <a:ln>
+            <a:noFill/>
+          </a:ln>
+        </p:spPr>
+        <p:txBody>
+          <a:bodyPr lIns="91425" tIns="45700" rIns="91425" bIns="45700" anchor="t" anchorCtr="0">
+            <a:noAutofit/>
+          </a:bodyPr>
+          <a:lstStyle/>
+          <a:p>
+            <a:pPr marL="0" marR="0" lvl="0" indent="0" algn="ctr" rtl="0">
+              <a:lnSpc>
+                <a:spcPct val="93000"/>
+              </a:lnSpc>
+              <a:spcBef>
+                <a:spcPts val="0"/>
+              </a:spcBef>
+              <a:spcAft>
+                <a:spcPts val="0"/>
+              </a:spcAft>
+              <a:buSzPct val="25000"/>
+              <a:buNone/>
+            </a:pPr>
+            <a:r>
+              <a:rPr lang="en-US" sz="2400" b="0" i="0" u="none" strike="noStrike" cap="none" baseline="0" dirty="0">
+                <a:solidFill>
+                  <a:srgbClr val="000000"/>
+                </a:solidFill>
+                <a:latin typeface="Arial"/>
+                <a:ea typeface="Arial"/>
+                <a:cs typeface="Arial"/>
+                <a:sym typeface="Arial"/>
+              </a:rPr>
+              <a:t>(October)</a:t>
+            </a:r>
+          </a:p>
+          <a:p>
+            <a:pPr marL="0" marR="0" lvl="0" indent="0" algn="ctr" rtl="0">
+              <a:lnSpc>
+                <a:spcPct val="93000"/>
+              </a:lnSpc>
+              <a:spcBef>
+                <a:spcPts val="0"/>
+              </a:spcBef>
+              <a:spcAft>
+                <a:spcPts val="0"/>
+              </a:spcAft>
+              <a:buSzPct val="25000"/>
+              <a:buNone/>
+            </a:pPr>
+            <a:r>
+              <a:rPr lang="en-US" sz="2400" b="0" i="0" u="none" strike="noStrike" cap="none" baseline="0" dirty="0">
+                <a:solidFill>
+                  <a:srgbClr val="000000"/>
+                </a:solidFill>
+                <a:latin typeface="Arial"/>
+                <a:ea typeface="Arial"/>
+                <a:cs typeface="Arial"/>
+                <a:sym typeface="Arial"/>
+              </a:rPr>
+              <a:t>NH Autumn</a:t>
+            </a:r>
+          </a:p>
+          <a:p>
+            <a:pPr marL="0" marR="0" lvl="0" indent="0" algn="ctr" rtl="0">
+              <a:lnSpc>
+                <a:spcPct val="93000"/>
+              </a:lnSpc>
+              <a:spcBef>
+                <a:spcPts val="0"/>
+              </a:spcBef>
+              <a:spcAft>
+                <a:spcPts val="0"/>
+              </a:spcAft>
+              <a:buSzPct val="25000"/>
+              <a:buNone/>
+            </a:pPr>
+            <a:r>
+              <a:rPr lang="en-US" sz="2400" b="0" i="0" u="none" strike="noStrike" cap="none" baseline="0" dirty="0">
+                <a:solidFill>
+                  <a:srgbClr val="000000"/>
+                </a:solidFill>
+                <a:latin typeface="Arial"/>
+                <a:ea typeface="Arial"/>
+                <a:cs typeface="Arial"/>
+                <a:sym typeface="Arial"/>
+              </a:rPr>
+              <a:t>Temp.</a:t>
             </a:r>
           </a:p>
         </p:txBody>
@@ -13796,7 +13720,7 @@
           <p:nvPr/>
         </p:nvPicPr>
         <p:blipFill>
-          <a:blip r:embed="rId5"/>
+          <a:blip r:embed="rId3"/>
           <a:stretch>
             <a:fillRect/>
           </a:stretch>
@@ -13864,44 +13788,6 @@
           </a:p>
         </p:txBody>
       </p:sp>
-      <p:pic>
-        <p:nvPicPr>
-          <p:cNvPr id="2" name="Audio Recording 12 Jan 2021 at 15:45:42" descr="Audio Recording 12 Jan 2021 at 15:45:42">
-            <a:hlinkClick r:id="" action="ppaction://media"/>
-            <a:extLst>
-              <a:ext uri="{FF2B5EF4-FFF2-40B4-BE49-F238E27FC236}">
-                <a16:creationId xmlns:a16="http://schemas.microsoft.com/office/drawing/2014/main" id="{9B1E4BF7-3054-154D-BA89-407818B32B47}"/>
-              </a:ext>
-            </a:extLst>
-          </p:cNvPr>
-          <p:cNvPicPr>
-            <a:picLocks noChangeAspect="1"/>
-          </p:cNvPicPr>
-          <p:nvPr>
-            <a:audioFile r:link="rId2"/>
-            <p:extLst>
-              <p:ext uri="{DAA4B4D4-6D71-4841-9C94-3DE7FCFB9230}">
-                <p14:media xmlns:p14="http://schemas.microsoft.com/office/powerpoint/2010/main" r:embed="rId1"/>
-              </p:ext>
-            </p:extLst>
-          </p:nvPr>
-        </p:nvPicPr>
-        <p:blipFill>
-          <a:blip r:embed="rId6"/>
-          <a:stretch>
-            <a:fillRect/>
-          </a:stretch>
-        </p:blipFill>
-        <p:spPr>
-          <a:xfrm>
-            <a:off x="4633913" y="3373438"/>
-            <a:ext cx="812800" cy="812800"/>
-          </a:xfrm>
-          <a:prstGeom prst="rect">
-            <a:avLst/>
-          </a:prstGeom>
-        </p:spPr>
-      </p:pic>
     </p:spTree>
   </p:cSld>
   <p:clrMapOvr>
@@ -13910,90 +13796,6 @@
   <p:transition spd="slow">
     <p:cut/>
   </p:transition>
-  <p:timing>
-    <p:tnLst>
-      <p:par>
-        <p:cTn id="1" dur="indefinite" restart="never" nodeType="tmRoot">
-          <p:childTnLst>
-            <p:seq concurrent="1" nextAc="seek">
-              <p:cTn id="2" dur="indefinite" nodeType="mainSeq">
-                <p:childTnLst>
-                  <p:par>
-                    <p:cTn id="3" fill="hold">
-                      <p:stCondLst>
-                        <p:cond delay="indefinite"/>
-                      </p:stCondLst>
-                      <p:childTnLst>
-                        <p:par>
-                          <p:cTn id="4" fill="hold">
-                            <p:stCondLst>
-                              <p:cond delay="0"/>
-                            </p:stCondLst>
-                            <p:childTnLst>
-                              <p:par>
-                                <p:cTn id="5" presetID="1" presetClass="mediacall" presetSubtype="0" fill="hold" nodeType="clickEffect">
-                                  <p:stCondLst>
-                                    <p:cond delay="0"/>
-                                  </p:stCondLst>
-                                  <p:childTnLst>
-                                    <p:cmd type="call" cmd="playFrom(0.0)">
-                                      <p:cBhvr>
-                                        <p:cTn id="6" dur="52608" fill="hold"/>
-                                        <p:tgtEl>
-                                          <p:spTgt spid="2"/>
-                                        </p:tgtEl>
-                                      </p:cBhvr>
-                                    </p:cmd>
-                                  </p:childTnLst>
-                                </p:cTn>
-                              </p:par>
-                            </p:childTnLst>
-                          </p:cTn>
-                        </p:par>
-                      </p:childTnLst>
-                    </p:cTn>
-                  </p:par>
-                </p:childTnLst>
-              </p:cTn>
-              <p:prevCondLst>
-                <p:cond evt="onPrev" delay="0">
-                  <p:tgtEl>
-                    <p:sldTgt/>
-                  </p:tgtEl>
-                </p:cond>
-              </p:prevCondLst>
-              <p:nextCondLst>
-                <p:cond evt="onNext" delay="0">
-                  <p:tgtEl>
-                    <p:sldTgt/>
-                  </p:tgtEl>
-                </p:cond>
-              </p:nextCondLst>
-            </p:seq>
-            <p:audio>
-              <p:cMediaNode vol="80000">
-                <p:cTn id="7" fill="hold" display="0">
-                  <p:stCondLst>
-                    <p:cond delay="indefinite"/>
-                  </p:stCondLst>
-                  <p:endCondLst>
-                    <p:cond evt="onStopAudio" delay="0">
-                      <p:tgtEl>
-                        <p:sldTgt/>
-                      </p:tgtEl>
-                    </p:cond>
-                  </p:endCondLst>
-                </p:cTn>
-                <p:tgtEl>
-                  <p:spTgt spid="2"/>
-                </p:tgtEl>
-              </p:cMediaNode>
-            </p:audio>
-          </p:childTnLst>
-        </p:cTn>
-      </p:par>
-    </p:tnLst>
-  </p:timing>
 </p:sld>
 </file>
 
